--- a/paper/MAB_TA.pptx
+++ b/paper/MAB_TA.pptx
@@ -5,14 +5,17 @@
     <p:sldMasterId id="2147483648" r:id="rId1"/>
   </p:sldMasterIdLst>
   <p:notesMasterIdLst>
-    <p:notesMasterId r:id="rId7"/>
+    <p:notesMasterId r:id="rId10"/>
   </p:notesMasterIdLst>
   <p:sldIdLst>
     <p:sldId id="256" r:id="rId2"/>
-    <p:sldId id="257" r:id="rId3"/>
-    <p:sldId id="258" r:id="rId4"/>
+    <p:sldId id="262" r:id="rId3"/>
+    <p:sldId id="264" r:id="rId4"/>
     <p:sldId id="260" r:id="rId5"/>
-    <p:sldId id="261" r:id="rId6"/>
+    <p:sldId id="265" r:id="rId6"/>
+    <p:sldId id="257" r:id="rId7"/>
+    <p:sldId id="263" r:id="rId8"/>
+    <p:sldId id="261" r:id="rId9"/>
   </p:sldIdLst>
   <p:sldSz cx="12192000" cy="6858000"/>
   <p:notesSz cx="6858000" cy="9144000"/>
@@ -201,7 +204,7 @@
           <a:p>
             <a:fld id="{1C3F95DB-C6D0-49CD-A851-0D2ED58E7780}" type="datetimeFigureOut">
               <a:rPr lang="zh-CN" altLang="en-US" smtClean="0"/>
-              <a:t>2016/5/23 Monday</a:t>
+              <a:t>5-25</a:t>
             </a:fld>
             <a:endParaRPr lang="zh-CN" altLang="en-US"/>
           </a:p>
@@ -514,6 +517,194 @@
           <a:lstStyle/>
           <a:p>
             <a:r>
+              <a:rPr lang="en-US" altLang="zh-CN" dirty="0" smtClean="0"/>
+              <a:t>A gambler</a:t>
+            </a:r>
+            <a:r>
+              <a:rPr lang="en-US" altLang="zh-CN" baseline="0" dirty="0" smtClean="0"/>
+              <a:t> faces with several bandits, each time, he pulls the lever, it will return some rewards, but it doesn’t fixed. It has a unknown distribution.</a:t>
+            </a:r>
+            <a:endParaRPr lang="zh-CN" altLang="en-US" dirty="0"/>
+          </a:p>
+        </p:txBody>
+      </p:sp>
+      <p:sp>
+        <p:nvSpPr>
+          <p:cNvPr id="4" name="灯片编号占位符 3"/>
+          <p:cNvSpPr>
+            <a:spLocks noGrp="1"/>
+          </p:cNvSpPr>
+          <p:nvPr>
+            <p:ph type="sldNum" sz="quarter" idx="10"/>
+          </p:nvPr>
+        </p:nvSpPr>
+        <p:spPr/>
+        <p:txBody>
+          <a:bodyPr/>
+          <a:lstStyle/>
+          <a:p>
+            <a:fld id="{943156C6-14F4-496E-90A8-BD87A5797A6F}" type="slidenum">
+              <a:rPr lang="zh-CN" altLang="en-US" smtClean="0"/>
+              <a:t>2</a:t>
+            </a:fld>
+            <a:endParaRPr lang="zh-CN" altLang="en-US"/>
+          </a:p>
+        </p:txBody>
+      </p:sp>
+    </p:spTree>
+    <p:extLst>
+      <p:ext uri="{BB962C8B-B14F-4D97-AF65-F5344CB8AC3E}">
+        <p14:creationId xmlns:p14="http://schemas.microsoft.com/office/powerpoint/2010/main" val="2936508395"/>
+      </p:ext>
+    </p:extLst>
+  </p:cSld>
+  <p:clrMapOvr>
+    <a:masterClrMapping/>
+  </p:clrMapOvr>
+</p:notes>
+</file>
+
+<file path=ppt/notesSlides/notesSlide2.xml><?xml version="1.0" encoding="utf-8"?>
+<p:notes xmlns:a="http://schemas.openxmlformats.org/drawingml/2006/main" xmlns:r="http://schemas.openxmlformats.org/officeDocument/2006/relationships" xmlns:p="http://schemas.openxmlformats.org/presentationml/2006/main">
+  <p:cSld>
+    <p:spTree>
+      <p:nvGrpSpPr>
+        <p:cNvPr id="1" name=""/>
+        <p:cNvGrpSpPr/>
+        <p:nvPr/>
+      </p:nvGrpSpPr>
+      <p:grpSpPr>
+        <a:xfrm>
+          <a:off x="0" y="0"/>
+          <a:ext cx="0" cy="0"/>
+          <a:chOff x="0" y="0"/>
+          <a:chExt cx="0" cy="0"/>
+        </a:xfrm>
+      </p:grpSpPr>
+      <p:sp>
+        <p:nvSpPr>
+          <p:cNvPr id="2" name="幻灯片图像占位符 1"/>
+          <p:cNvSpPr>
+            <a:spLocks noGrp="1" noRot="1" noChangeAspect="1"/>
+          </p:cNvSpPr>
+          <p:nvPr>
+            <p:ph type="sldImg"/>
+          </p:nvPr>
+        </p:nvSpPr>
+        <p:spPr/>
+      </p:sp>
+      <p:sp>
+        <p:nvSpPr>
+          <p:cNvPr id="3" name="备注占位符 2"/>
+          <p:cNvSpPr>
+            <a:spLocks noGrp="1"/>
+          </p:cNvSpPr>
+          <p:nvPr>
+            <p:ph type="body" idx="1"/>
+          </p:nvPr>
+        </p:nvSpPr>
+        <p:spPr/>
+        <p:txBody>
+          <a:bodyPr/>
+          <a:lstStyle/>
+          <a:p>
+            <a:r>
+              <a:rPr lang="zh-CN" altLang="en-US" dirty="0" smtClean="0"/>
+              <a:t>对一种疾病尝试</a:t>
+            </a:r>
+            <a:r>
+              <a:rPr lang="en-US" altLang="zh-CN" dirty="0" smtClean="0"/>
+              <a:t>K</a:t>
+            </a:r>
+            <a:r>
+              <a:rPr lang="zh-CN" altLang="en-US" dirty="0" smtClean="0"/>
+              <a:t>中治疗方案，希望能够找到治疗效果最好的</a:t>
+            </a:r>
+            <a:endParaRPr lang="zh-CN" altLang="en-US" dirty="0"/>
+          </a:p>
+        </p:txBody>
+      </p:sp>
+      <p:sp>
+        <p:nvSpPr>
+          <p:cNvPr id="4" name="灯片编号占位符 3"/>
+          <p:cNvSpPr>
+            <a:spLocks noGrp="1"/>
+          </p:cNvSpPr>
+          <p:nvPr>
+            <p:ph type="sldNum" sz="quarter" idx="10"/>
+          </p:nvPr>
+        </p:nvSpPr>
+        <p:spPr/>
+        <p:txBody>
+          <a:bodyPr/>
+          <a:lstStyle/>
+          <a:p>
+            <a:fld id="{943156C6-14F4-496E-90A8-BD87A5797A6F}" type="slidenum">
+              <a:rPr lang="zh-CN" altLang="en-US" smtClean="0"/>
+              <a:t>4</a:t>
+            </a:fld>
+            <a:endParaRPr lang="zh-CN" altLang="en-US"/>
+          </a:p>
+        </p:txBody>
+      </p:sp>
+    </p:spTree>
+    <p:extLst>
+      <p:ext uri="{BB962C8B-B14F-4D97-AF65-F5344CB8AC3E}">
+        <p14:creationId xmlns:p14="http://schemas.microsoft.com/office/powerpoint/2010/main" val="2162946252"/>
+      </p:ext>
+    </p:extLst>
+  </p:cSld>
+  <p:clrMapOvr>
+    <a:masterClrMapping/>
+  </p:clrMapOvr>
+</p:notes>
+</file>
+
+<file path=ppt/notesSlides/notesSlide3.xml><?xml version="1.0" encoding="utf-8"?>
+<p:notes xmlns:a="http://schemas.openxmlformats.org/drawingml/2006/main" xmlns:r="http://schemas.openxmlformats.org/officeDocument/2006/relationships" xmlns:p="http://schemas.openxmlformats.org/presentationml/2006/main">
+  <p:cSld>
+    <p:spTree>
+      <p:nvGrpSpPr>
+        <p:cNvPr id="1" name=""/>
+        <p:cNvGrpSpPr/>
+        <p:nvPr/>
+      </p:nvGrpSpPr>
+      <p:grpSpPr>
+        <a:xfrm>
+          <a:off x="0" y="0"/>
+          <a:ext cx="0" cy="0"/>
+          <a:chOff x="0" y="0"/>
+          <a:chExt cx="0" cy="0"/>
+        </a:xfrm>
+      </p:grpSpPr>
+      <p:sp>
+        <p:nvSpPr>
+          <p:cNvPr id="2" name="幻灯片图像占位符 1"/>
+          <p:cNvSpPr>
+            <a:spLocks noGrp="1" noRot="1" noChangeAspect="1"/>
+          </p:cNvSpPr>
+          <p:nvPr>
+            <p:ph type="sldImg"/>
+          </p:nvPr>
+        </p:nvSpPr>
+        <p:spPr/>
+      </p:sp>
+      <p:sp>
+        <p:nvSpPr>
+          <p:cNvPr id="3" name="备注占位符 2"/>
+          <p:cNvSpPr>
+            <a:spLocks noGrp="1"/>
+          </p:cNvSpPr>
+          <p:nvPr>
+            <p:ph type="body" idx="1"/>
+          </p:nvPr>
+        </p:nvSpPr>
+        <p:spPr/>
+        <p:txBody>
+          <a:bodyPr/>
+          <a:lstStyle/>
+          <a:p>
+            <a:r>
               <a:rPr lang="zh-CN" altLang="en-US" dirty="0" smtClean="0"/>
               <a:t>假设有一个</a:t>
             </a:r>
@@ -522,10 +713,125 @@
               <a:t>sensing</a:t>
             </a:r>
             <a:r>
-              <a:rPr lang="zh-CN" altLang="en-US" smtClean="0"/>
-              <a:t>任务，我们可以将它划分为若干个小的任务，然后分配</a:t>
-            </a:r>
-            <a:endParaRPr lang="zh-CN" altLang="en-US"/>
+              <a:rPr lang="zh-CN" altLang="en-US" dirty="0" smtClean="0"/>
+              <a:t>任务，</a:t>
+            </a:r>
+            <a:endParaRPr lang="en-US" altLang="zh-CN" dirty="0" smtClean="0"/>
+          </a:p>
+          <a:p>
+            <a:r>
+              <a:rPr lang="zh-CN" altLang="en-US" dirty="0" smtClean="0"/>
+              <a:t>两种说法：</a:t>
+            </a:r>
+            <a:endParaRPr lang="en-US" altLang="zh-CN" dirty="0" smtClean="0"/>
+          </a:p>
+          <a:p>
+            <a:r>
+              <a:rPr lang="en-US" altLang="zh-CN" dirty="0" smtClean="0"/>
+              <a:t>1. </a:t>
+            </a:r>
+            <a:r>
+              <a:rPr lang="zh-CN" altLang="en-US" dirty="0" smtClean="0"/>
+              <a:t>在某个时刻</a:t>
+            </a:r>
+            <a:r>
+              <a:rPr lang="en-US" altLang="zh-CN" dirty="0" smtClean="0"/>
+              <a:t>requester</a:t>
+            </a:r>
+            <a:r>
+              <a:rPr lang="zh-CN" altLang="en-US" dirty="0" smtClean="0"/>
+              <a:t>产生一个</a:t>
+            </a:r>
+            <a:r>
+              <a:rPr lang="en-US" altLang="zh-CN" dirty="0" smtClean="0"/>
+              <a:t>task</a:t>
+            </a:r>
+            <a:r>
+              <a:rPr lang="zh-CN" altLang="en-US" dirty="0" smtClean="0"/>
+              <a:t>，然后他给他的</a:t>
+            </a:r>
+            <a:r>
+              <a:rPr lang="en-US" altLang="zh-CN" dirty="0" smtClean="0"/>
+              <a:t>k</a:t>
+            </a:r>
+            <a:r>
+              <a:rPr lang="zh-CN" altLang="en-US" dirty="0" smtClean="0"/>
+              <a:t>个联系人发送消息，</a:t>
+            </a:r>
+            <a:r>
+              <a:rPr lang="en-US" altLang="zh-CN" dirty="0" smtClean="0"/>
+              <a:t>workers</a:t>
+            </a:r>
+            <a:r>
+              <a:rPr lang="zh-CN" altLang="en-US" dirty="0" smtClean="0"/>
+              <a:t>回复对任务的报价和当前完成任务的能力等信息返回给</a:t>
+            </a:r>
+            <a:r>
+              <a:rPr lang="en-US" altLang="zh-CN" dirty="0" smtClean="0"/>
+              <a:t>requester</a:t>
+            </a:r>
+            <a:r>
+              <a:rPr lang="zh-CN" altLang="en-US" dirty="0" smtClean="0"/>
+              <a:t>，</a:t>
+            </a:r>
+            <a:endParaRPr lang="en-US" altLang="zh-CN" dirty="0" smtClean="0"/>
+          </a:p>
+          <a:p>
+            <a:r>
+              <a:rPr lang="en-US" altLang="zh-CN" dirty="0" smtClean="0"/>
+              <a:t>2. </a:t>
+            </a:r>
+            <a:r>
+              <a:rPr lang="zh-CN" altLang="en-US" dirty="0" smtClean="0"/>
+              <a:t>我们</a:t>
+            </a:r>
+            <a:r>
+              <a:rPr lang="zh-CN" altLang="en-US" dirty="0" smtClean="0"/>
+              <a:t>可以将它划分为若干个小的任务，然后</a:t>
+            </a:r>
+            <a:r>
+              <a:rPr lang="zh-CN" altLang="en-US" dirty="0" smtClean="0"/>
+              <a:t>分配依次分配</a:t>
+            </a:r>
+            <a:endParaRPr lang="en-US" altLang="zh-CN" dirty="0" smtClean="0"/>
+          </a:p>
+          <a:p>
+            <a:r>
+              <a:rPr lang="en-US" altLang="zh-CN" dirty="0" smtClean="0"/>
+              <a:t>Requester</a:t>
+            </a:r>
+            <a:r>
+              <a:rPr lang="zh-CN" altLang="en-US" dirty="0" smtClean="0"/>
+              <a:t>根据</a:t>
+            </a:r>
+            <a:r>
+              <a:rPr lang="en-US" altLang="zh-CN" dirty="0" smtClean="0"/>
+              <a:t>contextual</a:t>
+            </a:r>
+            <a:r>
+              <a:rPr lang="zh-CN" altLang="en-US" dirty="0" smtClean="0"/>
+              <a:t>信息，选择较好的</a:t>
+            </a:r>
+            <a:r>
+              <a:rPr lang="en-US" altLang="zh-CN" dirty="0" smtClean="0"/>
+              <a:t>worker</a:t>
+            </a:r>
+            <a:r>
+              <a:rPr lang="zh-CN" altLang="en-US" dirty="0" smtClean="0"/>
+              <a:t>执行</a:t>
+            </a:r>
+            <a:r>
+              <a:rPr lang="en-US" altLang="zh-CN" dirty="0" smtClean="0"/>
+              <a:t>task</a:t>
+            </a:r>
+            <a:r>
+              <a:rPr lang="zh-CN" altLang="en-US" dirty="0" smtClean="0"/>
+              <a:t>。</a:t>
+            </a:r>
+            <a:endParaRPr lang="en-US" altLang="zh-CN" dirty="0" smtClean="0"/>
+          </a:p>
+          <a:p>
+            <a:endParaRPr lang="zh-CN" altLang="en-US" dirty="0"/>
           </a:p>
         </p:txBody>
       </p:sp>
@@ -546,7 +852,7 @@
           <a:p>
             <a:fld id="{943156C6-14F4-496E-90A8-BD87A5797A6F}" type="slidenum">
               <a:rPr lang="zh-CN" altLang="en-US" smtClean="0"/>
-              <a:t>2</a:t>
+              <a:t>6</a:t>
             </a:fld>
             <a:endParaRPr lang="zh-CN" altLang="en-US"/>
           </a:p>
@@ -696,7 +1002,7 @@
           <a:p>
             <a:fld id="{FF557C8C-9E7C-4EF9-A478-BFEDC3571E6D}" type="datetimeFigureOut">
               <a:rPr lang="zh-CN" altLang="en-US" smtClean="0"/>
-              <a:t>2016/5/23 Monday</a:t>
+              <a:t>5-25</a:t>
             </a:fld>
             <a:endParaRPr lang="zh-CN" altLang="en-US"/>
           </a:p>
@@ -866,7 +1172,7 @@
           <a:p>
             <a:fld id="{FF557C8C-9E7C-4EF9-A478-BFEDC3571E6D}" type="datetimeFigureOut">
               <a:rPr lang="zh-CN" altLang="en-US" smtClean="0"/>
-              <a:t>2016/5/23 Monday</a:t>
+              <a:t>5-25</a:t>
             </a:fld>
             <a:endParaRPr lang="zh-CN" altLang="en-US"/>
           </a:p>
@@ -1046,7 +1352,7 @@
           <a:p>
             <a:fld id="{FF557C8C-9E7C-4EF9-A478-BFEDC3571E6D}" type="datetimeFigureOut">
               <a:rPr lang="zh-CN" altLang="en-US" smtClean="0"/>
-              <a:t>2016/5/23 Monday</a:t>
+              <a:t>5-25</a:t>
             </a:fld>
             <a:endParaRPr lang="zh-CN" altLang="en-US"/>
           </a:p>
@@ -1216,7 +1522,7 @@
           <a:p>
             <a:fld id="{FF557C8C-9E7C-4EF9-A478-BFEDC3571E6D}" type="datetimeFigureOut">
               <a:rPr lang="zh-CN" altLang="en-US" smtClean="0"/>
-              <a:t>2016/5/23 Monday</a:t>
+              <a:t>5-25</a:t>
             </a:fld>
             <a:endParaRPr lang="zh-CN" altLang="en-US"/>
           </a:p>
@@ -1462,7 +1768,7 @@
           <a:p>
             <a:fld id="{FF557C8C-9E7C-4EF9-A478-BFEDC3571E6D}" type="datetimeFigureOut">
               <a:rPr lang="zh-CN" altLang="en-US" smtClean="0"/>
-              <a:t>2016/5/23 Monday</a:t>
+              <a:t>5-25</a:t>
             </a:fld>
             <a:endParaRPr lang="zh-CN" altLang="en-US"/>
           </a:p>
@@ -1694,7 +2000,7 @@
           <a:p>
             <a:fld id="{FF557C8C-9E7C-4EF9-A478-BFEDC3571E6D}" type="datetimeFigureOut">
               <a:rPr lang="zh-CN" altLang="en-US" smtClean="0"/>
-              <a:t>2016/5/23 Monday</a:t>
+              <a:t>5-25</a:t>
             </a:fld>
             <a:endParaRPr lang="zh-CN" altLang="en-US"/>
           </a:p>
@@ -2061,7 +2367,7 @@
           <a:p>
             <a:fld id="{FF557C8C-9E7C-4EF9-A478-BFEDC3571E6D}" type="datetimeFigureOut">
               <a:rPr lang="zh-CN" altLang="en-US" smtClean="0"/>
-              <a:t>2016/5/23 Monday</a:t>
+              <a:t>5-25</a:t>
             </a:fld>
             <a:endParaRPr lang="zh-CN" altLang="en-US"/>
           </a:p>
@@ -2179,7 +2485,7 @@
           <a:p>
             <a:fld id="{FF557C8C-9E7C-4EF9-A478-BFEDC3571E6D}" type="datetimeFigureOut">
               <a:rPr lang="zh-CN" altLang="en-US" smtClean="0"/>
-              <a:t>2016/5/23 Monday</a:t>
+              <a:t>5-25</a:t>
             </a:fld>
             <a:endParaRPr lang="zh-CN" altLang="en-US"/>
           </a:p>
@@ -2274,7 +2580,7 @@
           <a:p>
             <a:fld id="{FF557C8C-9E7C-4EF9-A478-BFEDC3571E6D}" type="datetimeFigureOut">
               <a:rPr lang="zh-CN" altLang="en-US" smtClean="0"/>
-              <a:t>2016/5/23 Monday</a:t>
+              <a:t>5-25</a:t>
             </a:fld>
             <a:endParaRPr lang="zh-CN" altLang="en-US"/>
           </a:p>
@@ -2551,7 +2857,7 @@
           <a:p>
             <a:fld id="{FF557C8C-9E7C-4EF9-A478-BFEDC3571E6D}" type="datetimeFigureOut">
               <a:rPr lang="zh-CN" altLang="en-US" smtClean="0"/>
-              <a:t>2016/5/23 Monday</a:t>
+              <a:t>5-25</a:t>
             </a:fld>
             <a:endParaRPr lang="zh-CN" altLang="en-US"/>
           </a:p>
@@ -2804,7 +3110,7 @@
           <a:p>
             <a:fld id="{FF557C8C-9E7C-4EF9-A478-BFEDC3571E6D}" type="datetimeFigureOut">
               <a:rPr lang="zh-CN" altLang="en-US" smtClean="0"/>
-              <a:t>2016/5/23 Monday</a:t>
+              <a:t>5-25</a:t>
             </a:fld>
             <a:endParaRPr lang="zh-CN" altLang="en-US"/>
           </a:p>
@@ -3017,7 +3323,7 @@
           <a:p>
             <a:fld id="{FF557C8C-9E7C-4EF9-A478-BFEDC3571E6D}" type="datetimeFigureOut">
               <a:rPr lang="zh-CN" altLang="en-US" smtClean="0"/>
-              <a:t>2016/5/23 Monday</a:t>
+              <a:t>5-25</a:t>
             </a:fld>
             <a:endParaRPr lang="zh-CN" altLang="en-US"/>
           </a:p>
@@ -3530,15 +3836,19 @@
             <p:ph type="title"/>
           </p:nvPr>
         </p:nvSpPr>
-        <p:spPr/>
-        <p:txBody>
-          <a:bodyPr/>
-          <a:lstStyle/>
-          <a:p>
-            <a:pPr algn="ctr"/>
+        <p:spPr>
+          <a:xfrm>
+            <a:off x="838200" y="365126"/>
+            <a:ext cx="10515600" cy="881784"/>
+          </a:xfrm>
+        </p:spPr>
+        <p:txBody>
+          <a:bodyPr/>
+          <a:lstStyle/>
+          <a:p>
             <a:r>
               <a:rPr lang="en-US" altLang="zh-CN" dirty="0" smtClean="0"/>
-              <a:t>Task allocation</a:t>
+              <a:t>The multi-armed bandit problem</a:t>
             </a:r>
             <a:endParaRPr lang="zh-CN" altLang="en-US" dirty="0"/>
           </a:p>
@@ -3546,7 +3856,7 @@
       </p:sp>
       <p:sp>
         <p:nvSpPr>
-          <p:cNvPr id="3" name="内容占位符 2"/>
+          <p:cNvPr id="5" name="内容占位符 4"/>
           <p:cNvSpPr>
             <a:spLocks noGrp="1"/>
           </p:cNvSpPr>
@@ -3559,13 +3869,42 @@
           <a:bodyPr/>
           <a:lstStyle/>
           <a:p>
+            <a:r>
+              <a:rPr lang="en-US" altLang="zh-CN" b="1" dirty="0" smtClean="0"/>
+              <a:t>Maximize the reward </a:t>
+            </a:r>
+            <a:r>
+              <a:rPr lang="en-US" altLang="zh-CN" dirty="0" smtClean="0"/>
+              <a:t>obtained by successively playing the arm</a:t>
+            </a:r>
+          </a:p>
+          <a:p>
+            <a:r>
+              <a:rPr lang="en-US" altLang="zh-CN" dirty="0" smtClean="0"/>
+              <a:t>Invented in early 1950s by Robbins to model decision making under uncertainty when the environment is unknown</a:t>
+            </a:r>
+          </a:p>
+          <a:p>
+            <a:r>
+              <a:rPr lang="en-US" altLang="zh-CN" b="1" dirty="0" smtClean="0">
+                <a:solidFill>
+                  <a:srgbClr val="FF0000"/>
+                </a:solidFill>
+              </a:rPr>
+              <a:t>The reward are unknown ahead of time</a:t>
+            </a:r>
+          </a:p>
+          <a:p>
+            <a:pPr marL="0" indent="0">
+              <a:buNone/>
+            </a:pPr>
             <a:endParaRPr lang="zh-CN" altLang="en-US" dirty="0"/>
           </a:p>
         </p:txBody>
       </p:sp>
       <p:pic>
         <p:nvPicPr>
-          <p:cNvPr id="4" name="图片 3"/>
+          <p:cNvPr id="6" name="图片 5"/>
           <p:cNvPicPr>
             <a:picLocks noChangeAspect="1"/>
           </p:cNvPicPr>
@@ -3579,8 +3918,8 @@
         </p:blipFill>
         <p:spPr>
           <a:xfrm>
-            <a:off x="3548417" y="1655362"/>
-            <a:ext cx="5489528" cy="4780912"/>
+            <a:off x="3321457" y="3697980"/>
+            <a:ext cx="5549086" cy="2924695"/>
           </a:xfrm>
           <a:prstGeom prst="rect">
             <a:avLst/>
@@ -3590,7 +3929,7 @@
     </p:spTree>
     <p:extLst>
       <p:ext uri="{BB962C8B-B14F-4D97-AF65-F5344CB8AC3E}">
-        <p14:creationId xmlns:p14="http://schemas.microsoft.com/office/powerpoint/2010/main" val="726225407"/>
+        <p14:creationId xmlns:p14="http://schemas.microsoft.com/office/powerpoint/2010/main" val="3569586756"/>
       </p:ext>
     </p:extLst>
   </p:cSld>
@@ -3641,7 +3980,7 @@
           <a:p>
             <a:r>
               <a:rPr lang="en-US" altLang="zh-CN" dirty="0" smtClean="0"/>
-              <a:t>Multi-armed bandit problem</a:t>
+              <a:t>Exploration vs Exploitation</a:t>
             </a:r>
             <a:endParaRPr lang="zh-CN" altLang="en-US" dirty="0"/>
           </a:p>
@@ -3659,23 +3998,56 @@
         </p:nvSpPr>
         <p:spPr/>
         <p:txBody>
-          <a:bodyPr/>
-          <a:lstStyle/>
-          <a:p>
-            <a:endParaRPr lang="zh-CN" altLang="en-US" dirty="0"/>
+          <a:bodyPr>
+            <a:normAutofit/>
+          </a:bodyPr>
+          <a:lstStyle/>
+          <a:p>
+            <a:r>
+              <a:rPr lang="en-US" altLang="zh-CN" sz="3600" dirty="0" smtClean="0"/>
+              <a:t>Explore/Learn</a:t>
+            </a:r>
+          </a:p>
+          <a:p>
+            <a:pPr lvl="1"/>
+            <a:r>
+              <a:rPr lang="en-US" altLang="zh-CN" sz="3600" dirty="0" smtClean="0"/>
+              <a:t>Try out different action to learn how they perform over time---this is a data collection task.</a:t>
+            </a:r>
+          </a:p>
+          <a:p>
+            <a:r>
+              <a:rPr lang="en-US" altLang="zh-CN" sz="3600" dirty="0" smtClean="0"/>
+              <a:t>Exploit/Earn</a:t>
+            </a:r>
+          </a:p>
+          <a:p>
+            <a:pPr lvl="1"/>
+            <a:r>
+              <a:rPr lang="en-US" altLang="zh-CN" sz="3200" dirty="0" smtClean="0"/>
+              <a:t>Take advantage of what you have learned to get highest payoff---your current best guess.</a:t>
+            </a:r>
+            <a:endParaRPr lang="zh-CN" altLang="en-US" sz="3200" dirty="0"/>
           </a:p>
         </p:txBody>
       </p:sp>
     </p:spTree>
     <p:extLst>
       <p:ext uri="{BB962C8B-B14F-4D97-AF65-F5344CB8AC3E}">
-        <p14:creationId xmlns:p14="http://schemas.microsoft.com/office/powerpoint/2010/main" val="4256658738"/>
+        <p14:creationId xmlns:p14="http://schemas.microsoft.com/office/powerpoint/2010/main" val="1529814410"/>
       </p:ext>
     </p:extLst>
   </p:cSld>
   <p:clrMapOvr>
     <a:masterClrMapping/>
   </p:clrMapOvr>
+  <p:timing>
+    <p:tnLst>
+      <p:par>
+        <p:cTn id="1" dur="indefinite" restart="never" nodeType="tmRoot"/>
+      </p:par>
+    </p:tnLst>
+  </p:timing>
 </p:sld>
 </file>
 
@@ -3713,7 +4085,11 @@
           <a:p>
             <a:r>
               <a:rPr lang="en-US" altLang="zh-CN" dirty="0" smtClean="0"/>
-              <a:t>Clinical trials</a:t>
+              <a:t>Contextual Bandit --Clinical </a:t>
+            </a:r>
+            <a:r>
+              <a:rPr lang="en-US" altLang="zh-CN" dirty="0" smtClean="0"/>
+              <a:t>trials</a:t>
             </a:r>
             <a:endParaRPr lang="zh-CN" altLang="en-US" dirty="0"/>
           </a:p>
@@ -3731,7 +4107,7 @@
         </p:nvSpPr>
         <p:spPr>
           <a:xfrm>
-            <a:off x="1991544" y="1556793"/>
+            <a:off x="1010642" y="1556793"/>
             <a:ext cx="8229600" cy="4525963"/>
           </a:xfrm>
         </p:spPr>
@@ -3826,7 +4202,7 @@
           <p:nvPr/>
         </p:nvPicPr>
         <p:blipFill>
-          <a:blip r:embed="rId2">
+          <a:blip r:embed="rId3">
             <a:extLst>
               <a:ext uri="{28A0092B-C50C-407E-A947-70E740481C1C}">
                 <a14:useLocalDpi xmlns:a14="http://schemas.microsoft.com/office/drawing/2010/main" val="0"/>
@@ -3925,6 +4301,319 @@
           <a:p>
             <a:r>
               <a:rPr lang="en-US" altLang="zh-CN" dirty="0" smtClean="0"/>
+              <a:t>Internet advertising</a:t>
+            </a:r>
+            <a:endParaRPr lang="zh-CN" altLang="en-US" dirty="0"/>
+          </a:p>
+        </p:txBody>
+      </p:sp>
+      <p:sp>
+        <p:nvSpPr>
+          <p:cNvPr id="3" name="内容占位符 2"/>
+          <p:cNvSpPr>
+            <a:spLocks noGrp="1"/>
+          </p:cNvSpPr>
+          <p:nvPr>
+            <p:ph idx="1"/>
+          </p:nvPr>
+        </p:nvSpPr>
+        <p:spPr>
+          <a:xfrm>
+            <a:off x="838200" y="1585827"/>
+            <a:ext cx="10515600" cy="4351338"/>
+          </a:xfrm>
+        </p:spPr>
+        <p:txBody>
+          <a:bodyPr/>
+          <a:lstStyle/>
+          <a:p>
+            <a:r>
+              <a:rPr lang="en-US" altLang="zh-CN" dirty="0" smtClean="0"/>
+              <a:t>Each time a user visits the site you must choose to display one of K possible advertisements</a:t>
+            </a:r>
+          </a:p>
+          <a:p>
+            <a:r>
+              <a:rPr lang="en-US" altLang="zh-CN" dirty="0" smtClean="0"/>
+              <a:t>Reward is gained if a user click on it</a:t>
+            </a:r>
+          </a:p>
+          <a:p>
+            <a:r>
+              <a:rPr lang="en-US" altLang="zh-CN" dirty="0" smtClean="0"/>
+              <a:t>No knowledge of the user, the ad content, the web page content required</a:t>
+            </a:r>
+          </a:p>
+          <a:p>
+            <a:endParaRPr lang="zh-CN" altLang="en-US" dirty="0"/>
+          </a:p>
+        </p:txBody>
+      </p:sp>
+      <p:pic>
+        <p:nvPicPr>
+          <p:cNvPr id="4" name="图片 3"/>
+          <p:cNvPicPr>
+            <a:picLocks noChangeAspect="1"/>
+          </p:cNvPicPr>
+          <p:nvPr/>
+        </p:nvPicPr>
+        <p:blipFill>
+          <a:blip r:embed="rId2"/>
+          <a:stretch>
+            <a:fillRect/>
+          </a:stretch>
+        </p:blipFill>
+        <p:spPr>
+          <a:xfrm>
+            <a:off x="4610532" y="3581575"/>
+            <a:ext cx="4467225" cy="3209925"/>
+          </a:xfrm>
+          <a:prstGeom prst="rect">
+            <a:avLst/>
+          </a:prstGeom>
+        </p:spPr>
+      </p:pic>
+    </p:spTree>
+    <p:extLst>
+      <p:ext uri="{BB962C8B-B14F-4D97-AF65-F5344CB8AC3E}">
+        <p14:creationId xmlns:p14="http://schemas.microsoft.com/office/powerpoint/2010/main" val="1976827706"/>
+      </p:ext>
+    </p:extLst>
+  </p:cSld>
+  <p:clrMapOvr>
+    <a:masterClrMapping/>
+  </p:clrMapOvr>
+  <p:timing>
+    <p:tnLst>
+      <p:par>
+        <p:cTn id="1" dur="indefinite" restart="never" nodeType="tmRoot"/>
+      </p:par>
+    </p:tnLst>
+  </p:timing>
+</p:sld>
+</file>
+
+<file path=ppt/slides/slide6.xml><?xml version="1.0" encoding="utf-8"?>
+<p:sld xmlns:a="http://schemas.openxmlformats.org/drawingml/2006/main" xmlns:r="http://schemas.openxmlformats.org/officeDocument/2006/relationships" xmlns:p="http://schemas.openxmlformats.org/presentationml/2006/main">
+  <p:cSld>
+    <p:spTree>
+      <p:nvGrpSpPr>
+        <p:cNvPr id="1" name=""/>
+        <p:cNvGrpSpPr/>
+        <p:nvPr/>
+      </p:nvGrpSpPr>
+      <p:grpSpPr>
+        <a:xfrm>
+          <a:off x="0" y="0"/>
+          <a:ext cx="0" cy="0"/>
+          <a:chOff x="0" y="0"/>
+          <a:chExt cx="0" cy="0"/>
+        </a:xfrm>
+      </p:grpSpPr>
+      <p:sp>
+        <p:nvSpPr>
+          <p:cNvPr id="2" name="标题 1"/>
+          <p:cNvSpPr>
+            <a:spLocks noGrp="1"/>
+          </p:cNvSpPr>
+          <p:nvPr>
+            <p:ph type="title"/>
+          </p:nvPr>
+        </p:nvSpPr>
+        <p:spPr/>
+        <p:txBody>
+          <a:bodyPr/>
+          <a:lstStyle/>
+          <a:p>
+            <a:pPr algn="ctr"/>
+            <a:r>
+              <a:rPr lang="en-US" altLang="zh-CN" dirty="0" smtClean="0"/>
+              <a:t>Task allocation</a:t>
+            </a:r>
+            <a:endParaRPr lang="zh-CN" altLang="en-US" dirty="0"/>
+          </a:p>
+        </p:txBody>
+      </p:sp>
+      <p:sp>
+        <p:nvSpPr>
+          <p:cNvPr id="3" name="内容占位符 2"/>
+          <p:cNvSpPr>
+            <a:spLocks noGrp="1"/>
+          </p:cNvSpPr>
+          <p:nvPr>
+            <p:ph idx="1"/>
+          </p:nvPr>
+        </p:nvSpPr>
+        <p:spPr/>
+        <p:txBody>
+          <a:bodyPr/>
+          <a:lstStyle/>
+          <a:p>
+            <a:endParaRPr lang="zh-CN" altLang="en-US" dirty="0"/>
+          </a:p>
+        </p:txBody>
+      </p:sp>
+      <p:pic>
+        <p:nvPicPr>
+          <p:cNvPr id="4" name="图片 3"/>
+          <p:cNvPicPr>
+            <a:picLocks noChangeAspect="1"/>
+          </p:cNvPicPr>
+          <p:nvPr/>
+        </p:nvPicPr>
+        <p:blipFill>
+          <a:blip r:embed="rId3"/>
+          <a:stretch>
+            <a:fillRect/>
+          </a:stretch>
+        </p:blipFill>
+        <p:spPr>
+          <a:xfrm>
+            <a:off x="3548417" y="1655362"/>
+            <a:ext cx="5489528" cy="4780912"/>
+          </a:xfrm>
+          <a:prstGeom prst="rect">
+            <a:avLst/>
+          </a:prstGeom>
+        </p:spPr>
+      </p:pic>
+    </p:spTree>
+    <p:extLst>
+      <p:ext uri="{BB962C8B-B14F-4D97-AF65-F5344CB8AC3E}">
+        <p14:creationId xmlns:p14="http://schemas.microsoft.com/office/powerpoint/2010/main" val="726225407"/>
+      </p:ext>
+    </p:extLst>
+  </p:cSld>
+  <p:clrMapOvr>
+    <a:masterClrMapping/>
+  </p:clrMapOvr>
+  <p:timing>
+    <p:tnLst>
+      <p:par>
+        <p:cTn id="1" dur="indefinite" restart="never" nodeType="tmRoot"/>
+      </p:par>
+    </p:tnLst>
+  </p:timing>
+</p:sld>
+</file>
+
+<file path=ppt/slides/slide7.xml><?xml version="1.0" encoding="utf-8"?>
+<p:sld xmlns:a="http://schemas.openxmlformats.org/drawingml/2006/main" xmlns:r="http://schemas.openxmlformats.org/officeDocument/2006/relationships" xmlns:p="http://schemas.openxmlformats.org/presentationml/2006/main">
+  <p:cSld>
+    <p:spTree>
+      <p:nvGrpSpPr>
+        <p:cNvPr id="1" name=""/>
+        <p:cNvGrpSpPr/>
+        <p:nvPr/>
+      </p:nvGrpSpPr>
+      <p:grpSpPr>
+        <a:xfrm>
+          <a:off x="0" y="0"/>
+          <a:ext cx="0" cy="0"/>
+          <a:chOff x="0" y="0"/>
+          <a:chExt cx="0" cy="0"/>
+        </a:xfrm>
+      </p:grpSpPr>
+      <p:sp>
+        <p:nvSpPr>
+          <p:cNvPr id="2" name="标题 1"/>
+          <p:cNvSpPr>
+            <a:spLocks noGrp="1"/>
+          </p:cNvSpPr>
+          <p:nvPr>
+            <p:ph type="title"/>
+          </p:nvPr>
+        </p:nvSpPr>
+        <p:spPr/>
+        <p:txBody>
+          <a:bodyPr/>
+          <a:lstStyle/>
+          <a:p>
+            <a:r>
+              <a:rPr lang="en-US" altLang="zh-CN" dirty="0" smtClean="0"/>
+              <a:t>Formulate</a:t>
+            </a:r>
+            <a:endParaRPr lang="zh-CN" altLang="en-US" dirty="0"/>
+          </a:p>
+        </p:txBody>
+      </p:sp>
+      <p:sp>
+        <p:nvSpPr>
+          <p:cNvPr id="3" name="内容占位符 2"/>
+          <p:cNvSpPr>
+            <a:spLocks noGrp="1"/>
+          </p:cNvSpPr>
+          <p:nvPr>
+            <p:ph idx="1"/>
+          </p:nvPr>
+        </p:nvSpPr>
+        <p:spPr/>
+        <p:txBody>
+          <a:bodyPr/>
+          <a:lstStyle/>
+          <a:p>
+            <a:r>
+              <a:rPr lang="en-US" altLang="zh-CN" dirty="0" smtClean="0"/>
+              <a:t>Reward</a:t>
+            </a:r>
+            <a:endParaRPr lang="zh-CN" altLang="en-US" dirty="0"/>
+          </a:p>
+        </p:txBody>
+      </p:sp>
+    </p:spTree>
+    <p:extLst>
+      <p:ext uri="{BB962C8B-B14F-4D97-AF65-F5344CB8AC3E}">
+        <p14:creationId xmlns:p14="http://schemas.microsoft.com/office/powerpoint/2010/main" val="78380058"/>
+      </p:ext>
+    </p:extLst>
+  </p:cSld>
+  <p:clrMapOvr>
+    <a:masterClrMapping/>
+  </p:clrMapOvr>
+  <p:timing>
+    <p:tnLst>
+      <p:par>
+        <p:cTn id="1" dur="indefinite" restart="never" nodeType="tmRoot"/>
+      </p:par>
+    </p:tnLst>
+  </p:timing>
+</p:sld>
+</file>
+
+<file path=ppt/slides/slide8.xml><?xml version="1.0" encoding="utf-8"?>
+<p:sld xmlns:a="http://schemas.openxmlformats.org/drawingml/2006/main" xmlns:r="http://schemas.openxmlformats.org/officeDocument/2006/relationships" xmlns:p="http://schemas.openxmlformats.org/presentationml/2006/main">
+  <p:cSld>
+    <p:spTree>
+      <p:nvGrpSpPr>
+        <p:cNvPr id="1" name=""/>
+        <p:cNvGrpSpPr/>
+        <p:nvPr/>
+      </p:nvGrpSpPr>
+      <p:grpSpPr>
+        <a:xfrm>
+          <a:off x="0" y="0"/>
+          <a:ext cx="0" cy="0"/>
+          <a:chOff x="0" y="0"/>
+          <a:chExt cx="0" cy="0"/>
+        </a:xfrm>
+      </p:grpSpPr>
+      <p:sp>
+        <p:nvSpPr>
+          <p:cNvPr id="2" name="标题 1"/>
+          <p:cNvSpPr>
+            <a:spLocks noGrp="1"/>
+          </p:cNvSpPr>
+          <p:nvPr>
+            <p:ph type="title"/>
+          </p:nvPr>
+        </p:nvSpPr>
+        <p:spPr/>
+        <p:txBody>
+          <a:bodyPr/>
+          <a:lstStyle/>
+          <a:p>
+            <a:r>
+              <a:rPr lang="en-US" altLang="zh-CN" dirty="0" smtClean="0"/>
               <a:t>Contribution </a:t>
             </a:r>
             <a:endParaRPr lang="zh-CN" altLang="en-US" dirty="0"/>
@@ -3948,7 +4637,25 @@
           <a:p>
             <a:r>
               <a:rPr lang="en-US" altLang="zh-CN" dirty="0" smtClean="0"/>
-              <a:t>Feature:</a:t>
+              <a:t>Model task allocation to a MAB problem</a:t>
+            </a:r>
+          </a:p>
+          <a:p>
+            <a:r>
+              <a:rPr lang="en-US" altLang="zh-CN" dirty="0" smtClean="0"/>
+              <a:t>Design an algorithm to solve this problem with incentive mechanism</a:t>
+            </a:r>
+          </a:p>
+          <a:p>
+            <a:r>
+              <a:rPr lang="en-US" altLang="zh-CN" dirty="0" smtClean="0"/>
+              <a:t>Proof user truthful and the regret bound</a:t>
+            </a:r>
+          </a:p>
+          <a:p>
+            <a:r>
+              <a:rPr lang="en-US" altLang="zh-CN" dirty="0" smtClean="0"/>
+              <a:t>Do some experiments to proof it</a:t>
             </a:r>
             <a:endParaRPr lang="zh-CN" altLang="en-US" dirty="0"/>
           </a:p>
@@ -3964,6 +4671,13 @@
   <p:clrMapOvr>
     <a:masterClrMapping/>
   </p:clrMapOvr>
+  <p:timing>
+    <p:tnLst>
+      <p:par>
+        <p:cTn id="1" dur="indefinite" restart="never" nodeType="tmRoot"/>
+      </p:par>
+    </p:tnLst>
+  </p:timing>
 </p:sld>
 </file>
 

--- a/paper/MAB_TA.pptx
+++ b/paper/MAB_TA.pptx
@@ -5,7 +5,7 @@
     <p:sldMasterId id="2147483648" r:id="rId1"/>
   </p:sldMasterIdLst>
   <p:notesMasterIdLst>
-    <p:notesMasterId r:id="rId10"/>
+    <p:notesMasterId r:id="rId12"/>
   </p:notesMasterIdLst>
   <p:sldIdLst>
     <p:sldId id="256" r:id="rId2"/>
@@ -15,7 +15,9 @@
     <p:sldId id="265" r:id="rId6"/>
     <p:sldId id="257" r:id="rId7"/>
     <p:sldId id="263" r:id="rId8"/>
-    <p:sldId id="261" r:id="rId9"/>
+    <p:sldId id="266" r:id="rId9"/>
+    <p:sldId id="267" r:id="rId10"/>
+    <p:sldId id="261" r:id="rId11"/>
   </p:sldIdLst>
   <p:sldSz cx="12192000" cy="6858000"/>
   <p:notesSz cx="6858000" cy="9144000"/>
@@ -783,15 +785,7 @@
             </a:r>
             <a:r>
               <a:rPr lang="zh-CN" altLang="en-US" dirty="0" smtClean="0"/>
-              <a:t>我们</a:t>
-            </a:r>
-            <a:r>
-              <a:rPr lang="zh-CN" altLang="en-US" dirty="0" smtClean="0"/>
-              <a:t>可以将它划分为若干个小的任务，然后</a:t>
-            </a:r>
-            <a:r>
-              <a:rPr lang="zh-CN" altLang="en-US" dirty="0" smtClean="0"/>
-              <a:t>分配依次分配</a:t>
+              <a:t>我们可以将它划分为若干个小的任务，然后分配依次分配</a:t>
             </a:r>
             <a:endParaRPr lang="en-US" altLang="zh-CN" dirty="0" smtClean="0"/>
           </a:p>
@@ -862,6 +856,106 @@
     <p:extLst>
       <p:ext uri="{BB962C8B-B14F-4D97-AF65-F5344CB8AC3E}">
         <p14:creationId xmlns:p14="http://schemas.microsoft.com/office/powerpoint/2010/main" val="4006019845"/>
+      </p:ext>
+    </p:extLst>
+  </p:cSld>
+  <p:clrMapOvr>
+    <a:masterClrMapping/>
+  </p:clrMapOvr>
+</p:notes>
+</file>
+
+<file path=ppt/notesSlides/notesSlide4.xml><?xml version="1.0" encoding="utf-8"?>
+<p:notes xmlns:a="http://schemas.openxmlformats.org/drawingml/2006/main" xmlns:r="http://schemas.openxmlformats.org/officeDocument/2006/relationships" xmlns:p="http://schemas.openxmlformats.org/presentationml/2006/main">
+  <p:cSld>
+    <p:spTree>
+      <p:nvGrpSpPr>
+        <p:cNvPr id="1" name=""/>
+        <p:cNvGrpSpPr/>
+        <p:nvPr/>
+      </p:nvGrpSpPr>
+      <p:grpSpPr>
+        <a:xfrm>
+          <a:off x="0" y="0"/>
+          <a:ext cx="0" cy="0"/>
+          <a:chOff x="0" y="0"/>
+          <a:chExt cx="0" cy="0"/>
+        </a:xfrm>
+      </p:grpSpPr>
+      <p:sp>
+        <p:nvSpPr>
+          <p:cNvPr id="2" name="幻灯片图像占位符 1"/>
+          <p:cNvSpPr>
+            <a:spLocks noGrp="1" noRot="1" noChangeAspect="1"/>
+          </p:cNvSpPr>
+          <p:nvPr>
+            <p:ph type="sldImg"/>
+          </p:nvPr>
+        </p:nvSpPr>
+        <p:spPr/>
+      </p:sp>
+      <p:sp>
+        <p:nvSpPr>
+          <p:cNvPr id="3" name="备注占位符 2"/>
+          <p:cNvSpPr>
+            <a:spLocks noGrp="1"/>
+          </p:cNvSpPr>
+          <p:nvPr>
+            <p:ph type="body" idx="1"/>
+          </p:nvPr>
+        </p:nvSpPr>
+        <p:spPr/>
+        <p:txBody>
+          <a:bodyPr/>
+          <a:lstStyle/>
+          <a:p>
+            <a:r>
+              <a:rPr lang="en-US" altLang="zh-CN" dirty="0" smtClean="0"/>
+              <a:t>B</a:t>
+            </a:r>
+            <a:r>
+              <a:rPr lang="zh-CN" altLang="en-US" dirty="0" smtClean="0"/>
+              <a:t>表示的是上下文信息，</a:t>
+            </a:r>
+            <a:r>
+              <a:rPr lang="en-US" altLang="zh-CN" dirty="0" smtClean="0"/>
+              <a:t>mu</a:t>
+            </a:r>
+            <a:r>
+              <a:rPr lang="zh-CN" altLang="en-US" dirty="0" smtClean="0"/>
+              <a:t>是未知参数</a:t>
+            </a:r>
+            <a:endParaRPr lang="zh-CN" altLang="en-US" dirty="0"/>
+          </a:p>
+        </p:txBody>
+      </p:sp>
+      <p:sp>
+        <p:nvSpPr>
+          <p:cNvPr id="4" name="灯片编号占位符 3"/>
+          <p:cNvSpPr>
+            <a:spLocks noGrp="1"/>
+          </p:cNvSpPr>
+          <p:nvPr>
+            <p:ph type="sldNum" sz="quarter" idx="10"/>
+          </p:nvPr>
+        </p:nvSpPr>
+        <p:spPr/>
+        <p:txBody>
+          <a:bodyPr/>
+          <a:lstStyle/>
+          <a:p>
+            <a:fld id="{943156C6-14F4-496E-90A8-BD87A5797A6F}" type="slidenum">
+              <a:rPr lang="zh-CN" altLang="en-US" smtClean="0"/>
+              <a:t>7</a:t>
+            </a:fld>
+            <a:endParaRPr lang="zh-CN" altLang="en-US"/>
+          </a:p>
+        </p:txBody>
+      </p:sp>
+    </p:spTree>
+    <p:extLst>
+      <p:ext uri="{BB962C8B-B14F-4D97-AF65-F5344CB8AC3E}">
+        <p14:creationId xmlns:p14="http://schemas.microsoft.com/office/powerpoint/2010/main" val="3242241587"/>
       </p:ext>
     </p:extLst>
   </p:cSld>
@@ -3809,6 +3903,107 @@
 </p:sld>
 </file>
 
+<file path=ppt/slides/slide10.xml><?xml version="1.0" encoding="utf-8"?>
+<p:sld xmlns:a="http://schemas.openxmlformats.org/drawingml/2006/main" xmlns:r="http://schemas.openxmlformats.org/officeDocument/2006/relationships" xmlns:p="http://schemas.openxmlformats.org/presentationml/2006/main">
+  <p:cSld>
+    <p:spTree>
+      <p:nvGrpSpPr>
+        <p:cNvPr id="1" name=""/>
+        <p:cNvGrpSpPr/>
+        <p:nvPr/>
+      </p:nvGrpSpPr>
+      <p:grpSpPr>
+        <a:xfrm>
+          <a:off x="0" y="0"/>
+          <a:ext cx="0" cy="0"/>
+          <a:chOff x="0" y="0"/>
+          <a:chExt cx="0" cy="0"/>
+        </a:xfrm>
+      </p:grpSpPr>
+      <p:sp>
+        <p:nvSpPr>
+          <p:cNvPr id="2" name="标题 1"/>
+          <p:cNvSpPr>
+            <a:spLocks noGrp="1"/>
+          </p:cNvSpPr>
+          <p:nvPr>
+            <p:ph type="title"/>
+          </p:nvPr>
+        </p:nvSpPr>
+        <p:spPr/>
+        <p:txBody>
+          <a:bodyPr/>
+          <a:lstStyle/>
+          <a:p>
+            <a:r>
+              <a:rPr lang="en-US" altLang="zh-CN" dirty="0" smtClean="0"/>
+              <a:t>Contribution </a:t>
+            </a:r>
+            <a:endParaRPr lang="zh-CN" altLang="en-US" dirty="0"/>
+          </a:p>
+        </p:txBody>
+      </p:sp>
+      <p:sp>
+        <p:nvSpPr>
+          <p:cNvPr id="3" name="内容占位符 2"/>
+          <p:cNvSpPr>
+            <a:spLocks noGrp="1"/>
+          </p:cNvSpPr>
+          <p:nvPr>
+            <p:ph idx="1"/>
+          </p:nvPr>
+        </p:nvSpPr>
+        <p:spPr/>
+        <p:txBody>
+          <a:bodyPr/>
+          <a:lstStyle/>
+          <a:p>
+            <a:r>
+              <a:rPr lang="en-US" altLang="zh-CN" dirty="0" smtClean="0"/>
+              <a:t>Model task allocation to a MAB problem</a:t>
+            </a:r>
+          </a:p>
+          <a:p>
+            <a:r>
+              <a:rPr lang="en-US" altLang="zh-CN" dirty="0" smtClean="0"/>
+              <a:t>Design an algorithm to solve this problem with incentive mechanism</a:t>
+            </a:r>
+          </a:p>
+          <a:p>
+            <a:r>
+              <a:rPr lang="en-US" altLang="zh-CN" dirty="0" smtClean="0"/>
+              <a:t>Proof user truthful and the regret bound</a:t>
+            </a:r>
+          </a:p>
+          <a:p>
+            <a:r>
+              <a:rPr lang="en-US" altLang="zh-CN" dirty="0" smtClean="0"/>
+              <a:t>Do some experiments to proof it</a:t>
+            </a:r>
+            <a:endParaRPr lang="zh-CN" altLang="en-US" dirty="0"/>
+          </a:p>
+        </p:txBody>
+      </p:sp>
+    </p:spTree>
+    <p:extLst>
+      <p:ext uri="{BB962C8B-B14F-4D97-AF65-F5344CB8AC3E}">
+        <p14:creationId xmlns:p14="http://schemas.microsoft.com/office/powerpoint/2010/main" val="413431115"/>
+      </p:ext>
+    </p:extLst>
+  </p:cSld>
+  <p:clrMapOvr>
+    <a:masterClrMapping/>
+  </p:clrMapOvr>
+  <p:timing>
+    <p:tnLst>
+      <p:par>
+        <p:cTn id="1" dur="indefinite" restart="never" nodeType="tmRoot"/>
+      </p:par>
+    </p:tnLst>
+  </p:timing>
+</p:sld>
+</file>
+
 <file path=ppt/slides/slide2.xml><?xml version="1.0" encoding="utf-8"?>
 <p:sld xmlns:a="http://schemas.openxmlformats.org/drawingml/2006/main" xmlns:r="http://schemas.openxmlformats.org/officeDocument/2006/relationships" xmlns:p="http://schemas.openxmlformats.org/presentationml/2006/main">
   <p:cSld>
@@ -4085,11 +4280,7 @@
           <a:p>
             <a:r>
               <a:rPr lang="en-US" altLang="zh-CN" dirty="0" smtClean="0"/>
-              <a:t>Contextual Bandit --Clinical </a:t>
-            </a:r>
-            <a:r>
-              <a:rPr lang="en-US" altLang="zh-CN" dirty="0" smtClean="0"/>
-              <a:t>trials</a:t>
+              <a:t>Contextual Bandit --Clinical trials</a:t>
             </a:r>
             <a:endParaRPr lang="zh-CN" altLang="en-US" dirty="0"/>
           </a:p>
@@ -4531,7 +4722,7 @@
           <a:p>
             <a:r>
               <a:rPr lang="en-US" altLang="zh-CN" dirty="0" smtClean="0"/>
-              <a:t>Formulate</a:t>
+              <a:t>Formulate—Thompson Sampling</a:t>
             </a:r>
             <a:endParaRPr lang="zh-CN" altLang="en-US" dirty="0"/>
           </a:p>
@@ -4554,12 +4745,81 @@
           <a:p>
             <a:r>
               <a:rPr lang="en-US" altLang="zh-CN" dirty="0" smtClean="0"/>
-              <a:t>Reward</a:t>
-            </a:r>
-            <a:endParaRPr lang="zh-CN" altLang="en-US" dirty="0"/>
-          </a:p>
-        </p:txBody>
-      </p:sp>
+              <a:t>Reward with linear payoffs</a:t>
+            </a:r>
+          </a:p>
+          <a:p>
+            <a:endParaRPr lang="en-US" altLang="zh-CN" dirty="0"/>
+          </a:p>
+          <a:p>
+            <a:endParaRPr lang="en-US" altLang="zh-CN" dirty="0" smtClean="0"/>
+          </a:p>
+          <a:p>
+            <a:r>
+              <a:rPr lang="en-US" altLang="zh-CN" dirty="0" smtClean="0"/>
+              <a:t>Regret</a:t>
+            </a:r>
+            <a:endParaRPr lang="en-US" altLang="zh-CN" dirty="0" smtClean="0"/>
+          </a:p>
+          <a:p>
+            <a:endParaRPr lang="en-US" altLang="zh-CN" dirty="0"/>
+          </a:p>
+          <a:p>
+            <a:pPr marL="457200" lvl="1" indent="0">
+              <a:buNone/>
+            </a:pPr>
+            <a:endParaRPr lang="en-US" altLang="zh-CN" dirty="0" smtClean="0"/>
+          </a:p>
+        </p:txBody>
+      </p:sp>
+      <p:pic>
+        <p:nvPicPr>
+          <p:cNvPr id="7" name="图片 6"/>
+          <p:cNvPicPr>
+            <a:picLocks noChangeAspect="1"/>
+          </p:cNvPicPr>
+          <p:nvPr/>
+        </p:nvPicPr>
+        <p:blipFill>
+          <a:blip r:embed="rId3"/>
+          <a:stretch>
+            <a:fillRect/>
+          </a:stretch>
+        </p:blipFill>
+        <p:spPr>
+          <a:xfrm>
+            <a:off x="1541578" y="2537979"/>
+            <a:ext cx="7008472" cy="421351"/>
+          </a:xfrm>
+          <a:prstGeom prst="rect">
+            <a:avLst/>
+          </a:prstGeom>
+        </p:spPr>
+      </p:pic>
+      <p:pic>
+        <p:nvPicPr>
+          <p:cNvPr id="8" name="图片 7"/>
+          <p:cNvPicPr>
+            <a:picLocks noChangeAspect="1"/>
+          </p:cNvPicPr>
+          <p:nvPr/>
+        </p:nvPicPr>
+        <p:blipFill>
+          <a:blip r:embed="rId4"/>
+          <a:stretch>
+            <a:fillRect/>
+          </a:stretch>
+        </p:blipFill>
+        <p:spPr>
+          <a:xfrm>
+            <a:off x="1270076" y="4013200"/>
+            <a:ext cx="4795761" cy="730101"/>
+          </a:xfrm>
+          <a:prstGeom prst="rect">
+            <a:avLst/>
+          </a:prstGeom>
+        </p:spPr>
+      </p:pic>
     </p:spTree>
     <p:extLst>
       <p:ext uri="{BB962C8B-B14F-4D97-AF65-F5344CB8AC3E}">
@@ -4614,7 +4874,7 @@
           <a:p>
             <a:r>
               <a:rPr lang="en-US" altLang="zh-CN" dirty="0" smtClean="0"/>
-              <a:t>Contribution </a:t>
+              <a:t>Thompson Sampling task allocation</a:t>
             </a:r>
             <a:endParaRPr lang="zh-CN" altLang="en-US" dirty="0"/>
           </a:p>
@@ -4635,36 +4895,161 @@
           <a:bodyPr/>
           <a:lstStyle/>
           <a:p>
-            <a:r>
-              <a:rPr lang="en-US" altLang="zh-CN" dirty="0" smtClean="0"/>
-              <a:t>Model task allocation to a MAB problem</a:t>
-            </a:r>
-          </a:p>
-          <a:p>
-            <a:r>
-              <a:rPr lang="en-US" altLang="zh-CN" dirty="0" smtClean="0"/>
-              <a:t>Design an algorithm to solve this problem with incentive mechanism</a:t>
-            </a:r>
-          </a:p>
-          <a:p>
-            <a:r>
-              <a:rPr lang="en-US" altLang="zh-CN" dirty="0" smtClean="0"/>
-              <a:t>Proof user truthful and the regret bound</a:t>
-            </a:r>
-          </a:p>
-          <a:p>
-            <a:r>
-              <a:rPr lang="en-US" altLang="zh-CN" dirty="0" smtClean="0"/>
-              <a:t>Do some experiments to proof it</a:t>
-            </a:r>
-            <a:endParaRPr lang="zh-CN" altLang="en-US" dirty="0"/>
-          </a:p>
-        </p:txBody>
-      </p:sp>
+            <a:endParaRPr lang="zh-CN" altLang="en-US"/>
+          </a:p>
+        </p:txBody>
+      </p:sp>
+      <p:pic>
+        <p:nvPicPr>
+          <p:cNvPr id="4" name="图片 3"/>
+          <p:cNvPicPr>
+            <a:picLocks noChangeAspect="1"/>
+          </p:cNvPicPr>
+          <p:nvPr/>
+        </p:nvPicPr>
+        <p:blipFill>
+          <a:blip r:embed="rId2"/>
+          <a:stretch>
+            <a:fillRect/>
+          </a:stretch>
+        </p:blipFill>
+        <p:spPr>
+          <a:xfrm>
+            <a:off x="2844800" y="1381919"/>
+            <a:ext cx="5486400" cy="5238750"/>
+          </a:xfrm>
+          <a:prstGeom prst="rect">
+            <a:avLst/>
+          </a:prstGeom>
+        </p:spPr>
+      </p:pic>
     </p:spTree>
     <p:extLst>
       <p:ext uri="{BB962C8B-B14F-4D97-AF65-F5344CB8AC3E}">
-        <p14:creationId xmlns:p14="http://schemas.microsoft.com/office/powerpoint/2010/main" val="413431115"/>
+        <p14:creationId xmlns:p14="http://schemas.microsoft.com/office/powerpoint/2010/main" val="1538496027"/>
+      </p:ext>
+    </p:extLst>
+  </p:cSld>
+  <p:clrMapOvr>
+    <a:masterClrMapping/>
+  </p:clrMapOvr>
+  <p:timing>
+    <p:tnLst>
+      <p:par>
+        <p:cTn id="1" dur="indefinite" restart="never" nodeType="tmRoot"/>
+      </p:par>
+    </p:tnLst>
+  </p:timing>
+</p:sld>
+</file>
+
+<file path=ppt/slides/slide9.xml><?xml version="1.0" encoding="utf-8"?>
+<p:sld xmlns:a="http://schemas.openxmlformats.org/drawingml/2006/main" xmlns:r="http://schemas.openxmlformats.org/officeDocument/2006/relationships" xmlns:p="http://schemas.openxmlformats.org/presentationml/2006/main">
+  <p:cSld>
+    <p:spTree>
+      <p:nvGrpSpPr>
+        <p:cNvPr id="1" name=""/>
+        <p:cNvGrpSpPr/>
+        <p:nvPr/>
+      </p:nvGrpSpPr>
+      <p:grpSpPr>
+        <a:xfrm>
+          <a:off x="0" y="0"/>
+          <a:ext cx="0" cy="0"/>
+          <a:chOff x="0" y="0"/>
+          <a:chExt cx="0" cy="0"/>
+        </a:xfrm>
+      </p:grpSpPr>
+      <p:sp>
+        <p:nvSpPr>
+          <p:cNvPr id="2" name="标题 1"/>
+          <p:cNvSpPr>
+            <a:spLocks noGrp="1"/>
+          </p:cNvSpPr>
+          <p:nvPr>
+            <p:ph type="title"/>
+          </p:nvPr>
+        </p:nvSpPr>
+        <p:spPr/>
+        <p:txBody>
+          <a:bodyPr/>
+          <a:lstStyle/>
+          <a:p>
+            <a:r>
+              <a:rPr lang="en-US" altLang="zh-CN" dirty="0" smtClean="0"/>
+              <a:t>Experiments </a:t>
+            </a:r>
+            <a:endParaRPr lang="zh-CN" altLang="en-US" dirty="0"/>
+          </a:p>
+        </p:txBody>
+      </p:sp>
+      <p:sp>
+        <p:nvSpPr>
+          <p:cNvPr id="3" name="内容占位符 2"/>
+          <p:cNvSpPr>
+            <a:spLocks noGrp="1"/>
+          </p:cNvSpPr>
+          <p:nvPr>
+            <p:ph idx="1"/>
+          </p:nvPr>
+        </p:nvSpPr>
+        <p:spPr/>
+        <p:txBody>
+          <a:bodyPr/>
+          <a:lstStyle/>
+          <a:p>
+            <a:r>
+              <a:rPr lang="en-US" altLang="zh-CN" dirty="0" smtClean="0"/>
+              <a:t>Figure 1 : regret</a:t>
+            </a:r>
+          </a:p>
+          <a:p>
+            <a:r>
+              <a:rPr lang="en-US" altLang="zh-CN" dirty="0" smtClean="0"/>
+              <a:t>Figure 2:  the influence of package different generate rates</a:t>
+            </a:r>
+          </a:p>
+          <a:p>
+            <a:r>
+              <a:rPr lang="en-US" altLang="zh-CN" dirty="0" smtClean="0"/>
+              <a:t>Figure 3: </a:t>
+            </a:r>
+            <a:r>
+              <a:rPr lang="en-US" altLang="zh-CN" smtClean="0"/>
+              <a:t>the amount of tasks</a:t>
+            </a:r>
+            <a:endParaRPr lang="zh-CN" altLang="en-US" dirty="0"/>
+          </a:p>
+        </p:txBody>
+      </p:sp>
+      <p:pic>
+        <p:nvPicPr>
+          <p:cNvPr id="4" name="图片 3"/>
+          <p:cNvPicPr>
+            <a:picLocks noChangeAspect="1"/>
+          </p:cNvPicPr>
+          <p:nvPr/>
+        </p:nvPicPr>
+        <p:blipFill>
+          <a:blip r:embed="rId2"/>
+          <a:stretch>
+            <a:fillRect/>
+          </a:stretch>
+        </p:blipFill>
+        <p:spPr>
+          <a:xfrm>
+            <a:off x="964670" y="3544887"/>
+            <a:ext cx="3895725" cy="2105025"/>
+          </a:xfrm>
+          <a:prstGeom prst="rect">
+            <a:avLst/>
+          </a:prstGeom>
+        </p:spPr>
+      </p:pic>
+    </p:spTree>
+    <p:extLst>
+      <p:ext uri="{BB962C8B-B14F-4D97-AF65-F5344CB8AC3E}">
+        <p14:creationId xmlns:p14="http://schemas.microsoft.com/office/powerpoint/2010/main" val="3500848029"/>
       </p:ext>
     </p:extLst>
   </p:cSld>
